--- a/docs/Analytics with DuckDB.pptx
+++ b/docs/Analytics with DuckDB.pptx
@@ -10,6 +10,8 @@
     <p:sldId id="258" r:id="rId4"/>
     <p:sldId id="260" r:id="rId5"/>
     <p:sldId id="261" r:id="rId6"/>
+    <p:sldId id="262" r:id="rId7"/>
+    <p:sldId id="264" r:id="rId8"/>
   </p:sldIdLst>
   <p:sldSz cx="12192000" cy="6858000"/>
   <p:notesSz cx="6858000" cy="9144000"/>
@@ -119,6 +121,7 @@
 <file path=ppt/revisionInfo.xml><?xml version="1.0" encoding="utf-8"?>
 <p1510:revInfo xmlns:a="http://schemas.openxmlformats.org/drawingml/2006/main" xmlns:r="http://schemas.openxmlformats.org/officeDocument/2006/relationships" xmlns:p1510="http://schemas.microsoft.com/office/powerpoint/2015/10/main">
   <p1510:revLst>
+    <p1510:client id="{562130AF-BA3A-48DA-A1B0-4D870F452B47}" v="4" dt="2024-10-08T13:26:38.180"/>
     <p1510:client id="{B7095FA2-5A96-40E4-B710-19D7D2888886}" v="1" dt="2024-10-08T13:14:50.957"/>
   </p1510:revLst>
 </p1510:revInfo>
@@ -218,6 +221,151 @@
       </pc:sldChg>
     </pc:docChg>
   </pc:docChgLst>
+  <pc:docChgLst>
+    <pc:chgData name="Yusuf, Iqbal" userId="1b75d413-8034-429b-adca-ebb694799cca" providerId="ADAL" clId="{562130AF-BA3A-48DA-A1B0-4D870F452B47}"/>
+    <pc:docChg chg="undo custSel addSld delSld modSld">
+      <pc:chgData name="Yusuf, Iqbal" userId="1b75d413-8034-429b-adca-ebb694799cca" providerId="ADAL" clId="{562130AF-BA3A-48DA-A1B0-4D870F452B47}" dt="2024-10-08T14:09:32.579" v="858" actId="20577"/>
+      <pc:docMkLst>
+        <pc:docMk/>
+      </pc:docMkLst>
+      <pc:sldChg chg="modSp mod">
+        <pc:chgData name="Yusuf, Iqbal" userId="1b75d413-8034-429b-adca-ebb694799cca" providerId="ADAL" clId="{562130AF-BA3A-48DA-A1B0-4D870F452B47}" dt="2024-10-08T14:09:32.579" v="858" actId="20577"/>
+        <pc:sldMkLst>
+          <pc:docMk/>
+          <pc:sldMk cId="2406040477" sldId="257"/>
+        </pc:sldMkLst>
+        <pc:spChg chg="mod">
+          <ac:chgData name="Yusuf, Iqbal" userId="1b75d413-8034-429b-adca-ebb694799cca" providerId="ADAL" clId="{562130AF-BA3A-48DA-A1B0-4D870F452B47}" dt="2024-10-08T14:09:32.579" v="858" actId="20577"/>
+          <ac:spMkLst>
+            <pc:docMk/>
+            <pc:sldMk cId="2406040477" sldId="257"/>
+            <ac:spMk id="3" creationId="{2F90CC5E-2A3C-D8F5-2C04-230BCDFBC553}"/>
+          </ac:spMkLst>
+        </pc:spChg>
+      </pc:sldChg>
+      <pc:sldChg chg="modSp mod">
+        <pc:chgData name="Yusuf, Iqbal" userId="1b75d413-8034-429b-adca-ebb694799cca" providerId="ADAL" clId="{562130AF-BA3A-48DA-A1B0-4D870F452B47}" dt="2024-10-08T14:02:59.799" v="633" actId="14100"/>
+        <pc:sldMkLst>
+          <pc:docMk/>
+          <pc:sldMk cId="3526111522" sldId="258"/>
+        </pc:sldMkLst>
+        <pc:spChg chg="mod">
+          <ac:chgData name="Yusuf, Iqbal" userId="1b75d413-8034-429b-adca-ebb694799cca" providerId="ADAL" clId="{562130AF-BA3A-48DA-A1B0-4D870F452B47}" dt="2024-10-08T14:02:59.799" v="633" actId="14100"/>
+          <ac:spMkLst>
+            <pc:docMk/>
+            <pc:sldMk cId="3526111522" sldId="258"/>
+            <ac:spMk id="3" creationId="{2F90CC5E-2A3C-D8F5-2C04-230BCDFBC553}"/>
+          </ac:spMkLst>
+        </pc:spChg>
+      </pc:sldChg>
+      <pc:sldChg chg="modSp mod">
+        <pc:chgData name="Yusuf, Iqbal" userId="1b75d413-8034-429b-adca-ebb694799cca" providerId="ADAL" clId="{562130AF-BA3A-48DA-A1B0-4D870F452B47}" dt="2024-10-08T13:24:18.494" v="172" actId="20577"/>
+        <pc:sldMkLst>
+          <pc:docMk/>
+          <pc:sldMk cId="1096622102" sldId="260"/>
+        </pc:sldMkLst>
+        <pc:spChg chg="mod">
+          <ac:chgData name="Yusuf, Iqbal" userId="1b75d413-8034-429b-adca-ebb694799cca" providerId="ADAL" clId="{562130AF-BA3A-48DA-A1B0-4D870F452B47}" dt="2024-10-08T13:24:18.494" v="172" actId="20577"/>
+          <ac:spMkLst>
+            <pc:docMk/>
+            <pc:sldMk cId="1096622102" sldId="260"/>
+            <ac:spMk id="2" creationId="{AD5FC565-2B58-023E-4689-39DCB4FE3517}"/>
+          </ac:spMkLst>
+        </pc:spChg>
+      </pc:sldChg>
+      <pc:sldChg chg="modSp mod">
+        <pc:chgData name="Yusuf, Iqbal" userId="1b75d413-8034-429b-adca-ebb694799cca" providerId="ADAL" clId="{562130AF-BA3A-48DA-A1B0-4D870F452B47}" dt="2024-10-08T13:39:08.336" v="293" actId="6549"/>
+        <pc:sldMkLst>
+          <pc:docMk/>
+          <pc:sldMk cId="1705842612" sldId="261"/>
+        </pc:sldMkLst>
+        <pc:spChg chg="mod">
+          <ac:chgData name="Yusuf, Iqbal" userId="1b75d413-8034-429b-adca-ebb694799cca" providerId="ADAL" clId="{562130AF-BA3A-48DA-A1B0-4D870F452B47}" dt="2024-10-08T13:20:44.756" v="10" actId="20577"/>
+          <ac:spMkLst>
+            <pc:docMk/>
+            <pc:sldMk cId="1705842612" sldId="261"/>
+            <ac:spMk id="2" creationId="{AD5FC565-2B58-023E-4689-39DCB4FE3517}"/>
+          </ac:spMkLst>
+        </pc:spChg>
+        <pc:spChg chg="mod">
+          <ac:chgData name="Yusuf, Iqbal" userId="1b75d413-8034-429b-adca-ebb694799cca" providerId="ADAL" clId="{562130AF-BA3A-48DA-A1B0-4D870F452B47}" dt="2024-10-08T13:39:08.336" v="293" actId="6549"/>
+          <ac:spMkLst>
+            <pc:docMk/>
+            <pc:sldMk cId="1705842612" sldId="261"/>
+            <ac:spMk id="3" creationId="{2F90CC5E-2A3C-D8F5-2C04-230BCDFBC553}"/>
+          </ac:spMkLst>
+        </pc:spChg>
+      </pc:sldChg>
+      <pc:sldChg chg="modSp add mod">
+        <pc:chgData name="Yusuf, Iqbal" userId="1b75d413-8034-429b-adca-ebb694799cca" providerId="ADAL" clId="{562130AF-BA3A-48DA-A1B0-4D870F452B47}" dt="2024-10-08T13:26:12.580" v="206" actId="27636"/>
+        <pc:sldMkLst>
+          <pc:docMk/>
+          <pc:sldMk cId="1233243297" sldId="262"/>
+        </pc:sldMkLst>
+        <pc:spChg chg="mod">
+          <ac:chgData name="Yusuf, Iqbal" userId="1b75d413-8034-429b-adca-ebb694799cca" providerId="ADAL" clId="{562130AF-BA3A-48DA-A1B0-4D870F452B47}" dt="2024-10-08T13:23:01.248" v="79" actId="20577"/>
+          <ac:spMkLst>
+            <pc:docMk/>
+            <pc:sldMk cId="1233243297" sldId="262"/>
+            <ac:spMk id="2" creationId="{AD5FC565-2B58-023E-4689-39DCB4FE3517}"/>
+          </ac:spMkLst>
+        </pc:spChg>
+        <pc:spChg chg="mod">
+          <ac:chgData name="Yusuf, Iqbal" userId="1b75d413-8034-429b-adca-ebb694799cca" providerId="ADAL" clId="{562130AF-BA3A-48DA-A1B0-4D870F452B47}" dt="2024-10-08T13:26:12.580" v="206" actId="27636"/>
+          <ac:spMkLst>
+            <pc:docMk/>
+            <pc:sldMk cId="1233243297" sldId="262"/>
+            <ac:spMk id="3" creationId="{2F90CC5E-2A3C-D8F5-2C04-230BCDFBC553}"/>
+          </ac:spMkLst>
+        </pc:spChg>
+      </pc:sldChg>
+      <pc:sldChg chg="addSp delSp modSp new del mod">
+        <pc:chgData name="Yusuf, Iqbal" userId="1b75d413-8034-429b-adca-ebb694799cca" providerId="ADAL" clId="{562130AF-BA3A-48DA-A1B0-4D870F452B47}" dt="2024-10-08T13:26:40.757" v="213" actId="47"/>
+        <pc:sldMkLst>
+          <pc:docMk/>
+          <pc:sldMk cId="3425491973" sldId="263"/>
+        </pc:sldMkLst>
+        <pc:spChg chg="add del mod">
+          <ac:chgData name="Yusuf, Iqbal" userId="1b75d413-8034-429b-adca-ebb694799cca" providerId="ADAL" clId="{562130AF-BA3A-48DA-A1B0-4D870F452B47}" dt="2024-10-08T13:26:24.341" v="209" actId="478"/>
+          <ac:spMkLst>
+            <pc:docMk/>
+            <pc:sldMk cId="3425491973" sldId="263"/>
+            <ac:spMk id="3" creationId="{2B93098E-57C8-8C84-895B-683ED9AFF935}"/>
+          </ac:spMkLst>
+        </pc:spChg>
+        <pc:spChg chg="add mod">
+          <ac:chgData name="Yusuf, Iqbal" userId="1b75d413-8034-429b-adca-ebb694799cca" providerId="ADAL" clId="{562130AF-BA3A-48DA-A1B0-4D870F452B47}" dt="2024-10-08T13:26:31.944" v="211" actId="14100"/>
+          <ac:spMkLst>
+            <pc:docMk/>
+            <pc:sldMk cId="3425491973" sldId="263"/>
+            <ac:spMk id="5" creationId="{C5C859E2-55EC-1DEF-1038-DFA405C19850}"/>
+          </ac:spMkLst>
+        </pc:spChg>
+      </pc:sldChg>
+      <pc:sldChg chg="add del">
+        <pc:chgData name="Yusuf, Iqbal" userId="1b75d413-8034-429b-adca-ebb694799cca" providerId="ADAL" clId="{562130AF-BA3A-48DA-A1B0-4D870F452B47}" dt="2024-10-08T13:23:34.732" v="146"/>
+        <pc:sldMkLst>
+          <pc:docMk/>
+          <pc:sldMk cId="4293473549" sldId="263"/>
+        </pc:sldMkLst>
+      </pc:sldChg>
+      <pc:sldChg chg="modSp add mod">
+        <pc:chgData name="Yusuf, Iqbal" userId="1b75d413-8034-429b-adca-ebb694799cca" providerId="ADAL" clId="{562130AF-BA3A-48DA-A1B0-4D870F452B47}" dt="2024-10-08T13:41:03.397" v="388"/>
+        <pc:sldMkLst>
+          <pc:docMk/>
+          <pc:sldMk cId="3947398884" sldId="264"/>
+        </pc:sldMkLst>
+        <pc:spChg chg="mod">
+          <ac:chgData name="Yusuf, Iqbal" userId="1b75d413-8034-429b-adca-ebb694799cca" providerId="ADAL" clId="{562130AF-BA3A-48DA-A1B0-4D870F452B47}" dt="2024-10-08T13:41:03.397" v="388"/>
+          <ac:spMkLst>
+            <pc:docMk/>
+            <pc:sldMk cId="3947398884" sldId="264"/>
+            <ac:spMk id="3" creationId="{2F90CC5E-2A3C-D8F5-2C04-230BCDFBC553}"/>
+          </ac:spMkLst>
+        </pc:spChg>
+      </pc:sldChg>
+    </pc:docChg>
+  </pc:docChgLst>
 </pc:chgInfo>
 </file>
 
@@ -370,7 +518,7 @@
           <a:p>
             <a:fld id="{D4FA999B-B2DD-4991-A630-DABD82C4CFC0}" type="datetimeFigureOut">
               <a:rPr lang="en-GB" smtClean="0"/>
-              <a:t>07/10/2024</a:t>
+              <a:t>08/10/2024</a:t>
             </a:fld>
             <a:endParaRPr lang="en-GB"/>
           </a:p>
@@ -570,7 +718,7 @@
           <a:p>
             <a:fld id="{D4FA999B-B2DD-4991-A630-DABD82C4CFC0}" type="datetimeFigureOut">
               <a:rPr lang="en-GB" smtClean="0"/>
-              <a:t>07/10/2024</a:t>
+              <a:t>08/10/2024</a:t>
             </a:fld>
             <a:endParaRPr lang="en-GB"/>
           </a:p>
@@ -780,7 +928,7 @@
           <a:p>
             <a:fld id="{D4FA999B-B2DD-4991-A630-DABD82C4CFC0}" type="datetimeFigureOut">
               <a:rPr lang="en-GB" smtClean="0"/>
-              <a:t>07/10/2024</a:t>
+              <a:t>08/10/2024</a:t>
             </a:fld>
             <a:endParaRPr lang="en-GB"/>
           </a:p>
@@ -980,7 +1128,7 @@
           <a:p>
             <a:fld id="{D4FA999B-B2DD-4991-A630-DABD82C4CFC0}" type="datetimeFigureOut">
               <a:rPr lang="en-GB" smtClean="0"/>
-              <a:t>07/10/2024</a:t>
+              <a:t>08/10/2024</a:t>
             </a:fld>
             <a:endParaRPr lang="en-GB"/>
           </a:p>
@@ -1256,7 +1404,7 @@
           <a:p>
             <a:fld id="{D4FA999B-B2DD-4991-A630-DABD82C4CFC0}" type="datetimeFigureOut">
               <a:rPr lang="en-GB" smtClean="0"/>
-              <a:t>07/10/2024</a:t>
+              <a:t>08/10/2024</a:t>
             </a:fld>
             <a:endParaRPr lang="en-GB"/>
           </a:p>
@@ -1524,7 +1672,7 @@
           <a:p>
             <a:fld id="{D4FA999B-B2DD-4991-A630-DABD82C4CFC0}" type="datetimeFigureOut">
               <a:rPr lang="en-GB" smtClean="0"/>
-              <a:t>07/10/2024</a:t>
+              <a:t>08/10/2024</a:t>
             </a:fld>
             <a:endParaRPr lang="en-GB"/>
           </a:p>
@@ -1939,7 +2087,7 @@
           <a:p>
             <a:fld id="{D4FA999B-B2DD-4991-A630-DABD82C4CFC0}" type="datetimeFigureOut">
               <a:rPr lang="en-GB" smtClean="0"/>
-              <a:t>07/10/2024</a:t>
+              <a:t>08/10/2024</a:t>
             </a:fld>
             <a:endParaRPr lang="en-GB"/>
           </a:p>
@@ -2081,7 +2229,7 @@
           <a:p>
             <a:fld id="{D4FA999B-B2DD-4991-A630-DABD82C4CFC0}" type="datetimeFigureOut">
               <a:rPr lang="en-GB" smtClean="0"/>
-              <a:t>07/10/2024</a:t>
+              <a:t>08/10/2024</a:t>
             </a:fld>
             <a:endParaRPr lang="en-GB"/>
           </a:p>
@@ -2194,7 +2342,7 @@
           <a:p>
             <a:fld id="{D4FA999B-B2DD-4991-A630-DABD82C4CFC0}" type="datetimeFigureOut">
               <a:rPr lang="en-GB" smtClean="0"/>
-              <a:t>07/10/2024</a:t>
+              <a:t>08/10/2024</a:t>
             </a:fld>
             <a:endParaRPr lang="en-GB"/>
           </a:p>
@@ -2507,7 +2655,7 @@
           <a:p>
             <a:fld id="{D4FA999B-B2DD-4991-A630-DABD82C4CFC0}" type="datetimeFigureOut">
               <a:rPr lang="en-GB" smtClean="0"/>
-              <a:t>07/10/2024</a:t>
+              <a:t>08/10/2024</a:t>
             </a:fld>
             <a:endParaRPr lang="en-GB"/>
           </a:p>
@@ -2796,7 +2944,7 @@
           <a:p>
             <a:fld id="{D4FA999B-B2DD-4991-A630-DABD82C4CFC0}" type="datetimeFigureOut">
               <a:rPr lang="en-GB" smtClean="0"/>
-              <a:t>07/10/2024</a:t>
+              <a:t>08/10/2024</a:t>
             </a:fld>
             <a:endParaRPr lang="en-GB"/>
           </a:p>
@@ -3039,7 +3187,7 @@
           <a:p>
             <a:fld id="{D4FA999B-B2DD-4991-A630-DABD82C4CFC0}" type="datetimeFigureOut">
               <a:rPr lang="en-GB" smtClean="0"/>
-              <a:t>07/10/2024</a:t>
+              <a:t>08/10/2024</a:t>
             </a:fld>
             <a:endParaRPr lang="en-GB"/>
           </a:p>
@@ -3596,7 +3744,7 @@
             </a:pPr>
             <a:r>
               <a:rPr lang="en-US" dirty="0"/>
-              <a:t>A simple RDBMS</a:t>
+              <a:t>A simple RDBMS, no client server thing</a:t>
             </a:r>
           </a:p>
           <a:p>
@@ -3611,7 +3759,7 @@
                 </a:solidFill>
                 <a:latin typeface="Google Sans"/>
               </a:rPr>
-              <a:t>An e</a:t>
+              <a:t>Can be e</a:t>
             </a:r>
             <a:r>
               <a:rPr lang="en-US" b="0" i="0" dirty="0">
@@ -3621,8 +3769,25 @@
                 <a:effectLst/>
                 <a:latin typeface="Google Sans"/>
               </a:rPr>
-              <a:t>mbedded analytics database </a:t>
-            </a:r>
+              <a:t>mbedded as analytics database in </a:t>
+            </a:r>
+            <a:r>
+              <a:rPr lang="en-US" b="0" i="0">
+                <a:solidFill>
+                  <a:srgbClr val="040C28"/>
+                </a:solidFill>
+                <a:effectLst/>
+                <a:latin typeface="Google Sans"/>
+              </a:rPr>
+              <a:t>Python from PIP</a:t>
+            </a:r>
+            <a:endParaRPr lang="en-US" b="0" i="0" dirty="0">
+              <a:solidFill>
+                <a:srgbClr val="040C28"/>
+              </a:solidFill>
+              <a:effectLst/>
+              <a:latin typeface="Google Sans"/>
+            </a:endParaRPr>
           </a:p>
           <a:p>
             <a:pPr>
@@ -3674,6 +3839,84 @@
                 <a:latin typeface="Nuckle"/>
               </a:rPr>
               <a:t> has been described as the SQLite for analytics</a:t>
+            </a:r>
+          </a:p>
+          <a:p>
+            <a:pPr>
+              <a:buFontTx/>
+              <a:buChar char="-"/>
+            </a:pPr>
+            <a:r>
+              <a:rPr lang="en-US" dirty="0">
+                <a:solidFill>
+                  <a:srgbClr val="101111"/>
+                </a:solidFill>
+                <a:latin typeface="Nuckle"/>
+              </a:rPr>
+              <a:t>Can handle 100 GB file</a:t>
+            </a:r>
+          </a:p>
+          <a:p>
+            <a:pPr>
+              <a:buFontTx/>
+              <a:buChar char="-"/>
+            </a:pPr>
+            <a:r>
+              <a:rPr lang="en-US" dirty="0">
+                <a:solidFill>
+                  <a:srgbClr val="101111"/>
+                </a:solidFill>
+                <a:latin typeface="Nuckle"/>
+              </a:rPr>
+              <a:t>To put things in context </a:t>
+            </a:r>
+          </a:p>
+          <a:p>
+            <a:pPr lvl="1">
+              <a:buFontTx/>
+              <a:buChar char="-"/>
+            </a:pPr>
+            <a:r>
+              <a:rPr lang="en-US" dirty="0">
+                <a:solidFill>
+                  <a:srgbClr val="101111"/>
+                </a:solidFill>
+                <a:latin typeface="Nuckle"/>
+              </a:rPr>
+              <a:t>Incidents data of One year in JSON is 550 MB</a:t>
+            </a:r>
+          </a:p>
+          <a:p>
+            <a:pPr lvl="1">
+              <a:buFontTx/>
+              <a:buChar char="-"/>
+            </a:pPr>
+            <a:r>
+              <a:rPr lang="en-US" dirty="0">
+                <a:solidFill>
+                  <a:srgbClr val="101111"/>
+                </a:solidFill>
+                <a:latin typeface="Nuckle"/>
+              </a:rPr>
+              <a:t>If converted to </a:t>
+            </a:r>
+            <a:r>
+              <a:rPr lang="en-US" dirty="0" err="1">
+                <a:solidFill>
+                  <a:srgbClr val="101111"/>
+                </a:solidFill>
+                <a:latin typeface="Nuckle"/>
+              </a:rPr>
+              <a:t>duckdb</a:t>
+            </a:r>
+            <a:r>
+              <a:rPr lang="en-US" dirty="0">
+                <a:solidFill>
+                  <a:srgbClr val="101111"/>
+                </a:solidFill>
+                <a:latin typeface="Nuckle"/>
+              </a:rPr>
+              <a:t> or Parquet it is like 25 to 40 MB</a:t>
             </a:r>
             <a:endParaRPr lang="en-GB" dirty="0"/>
           </a:p>
@@ -3754,9 +3997,16 @@
             <p:ph idx="1"/>
           </p:nvPr>
         </p:nvSpPr>
-        <p:spPr/>
-        <p:txBody>
-          <a:bodyPr/>
+        <p:spPr>
+          <a:xfrm>
+            <a:off x="838200" y="1499191"/>
+            <a:ext cx="10515600" cy="4677772"/>
+          </a:xfrm>
+        </p:spPr>
+        <p:txBody>
+          <a:bodyPr>
+            <a:normAutofit fontScale="85000" lnSpcReduction="20000"/>
+          </a:bodyPr>
           <a:lstStyle/>
           <a:p>
             <a:pPr>
@@ -3773,7 +4023,7 @@
             </a:r>
             <a:r>
               <a:rPr lang="en-US" dirty="0"/>
-              <a:t> when I was researching some future architectural stuffs for Dashboard. </a:t>
+              <a:t> when I was researching some future architectural stuffs for Dashboard projects. </a:t>
             </a:r>
           </a:p>
           <a:p>
@@ -3815,6 +4065,63 @@
               <a:rPr lang="en-US" dirty="0"/>
               <a:t>It can be embedded with Python, Pandas, etc.</a:t>
             </a:r>
+          </a:p>
+          <a:p>
+            <a:pPr>
+              <a:buFontTx/>
+              <a:buChar char="-"/>
+            </a:pPr>
+            <a:endParaRPr lang="en-US" dirty="0"/>
+          </a:p>
+          <a:p>
+            <a:pPr>
+              <a:buFontTx/>
+              <a:buChar char="-"/>
+            </a:pPr>
+            <a:r>
+              <a:rPr lang="en-US" dirty="0"/>
+              <a:t>Quick look at my data that I need to know a little more.</a:t>
+            </a:r>
+          </a:p>
+          <a:p>
+            <a:pPr>
+              <a:buFontTx/>
+              <a:buChar char="-"/>
+            </a:pPr>
+            <a:r>
+              <a:rPr lang="en-US" dirty="0"/>
+              <a:t>Future, plan to learn a few analytical query technique.</a:t>
+            </a:r>
+          </a:p>
+          <a:p>
+            <a:pPr>
+              <a:buFontTx/>
+              <a:buChar char="-"/>
+            </a:pPr>
+            <a:r>
+              <a:rPr lang="en-US" dirty="0"/>
+              <a:t>Moving average, clustering, trend</a:t>
+            </a:r>
+          </a:p>
+          <a:p>
+            <a:pPr>
+              <a:buFontTx/>
+              <a:buChar char="-"/>
+            </a:pPr>
+            <a:r>
+              <a:rPr lang="en-US" dirty="0"/>
+              <a:t>I do not need to have access to some big query setup or knowledge </a:t>
+            </a:r>
+            <a:br>
+              <a:rPr lang="en-US" dirty="0"/>
+            </a:br>
+            <a:endParaRPr lang="en-US" dirty="0"/>
+          </a:p>
+          <a:p>
+            <a:pPr>
+              <a:buFontTx/>
+              <a:buChar char="-"/>
+            </a:pPr>
             <a:endParaRPr lang="en-GB" dirty="0"/>
           </a:p>
         </p:txBody>
@@ -3872,7 +4179,7 @@
           <a:p>
             <a:r>
               <a:rPr lang="en-US" dirty="0"/>
-              <a:t>PagerDuty as an example</a:t>
+              <a:t>PagerDuty as an example LR5 instance</a:t>
             </a:r>
             <a:endParaRPr lang="en-GB" dirty="0"/>
           </a:p>
@@ -4005,7 +4312,7 @@
           <a:p>
             <a:r>
               <a:rPr lang="en-US" dirty="0"/>
-              <a:t>PagerDuty as an example</a:t>
+              <a:t>Incidents</a:t>
             </a:r>
             <a:endParaRPr lang="en-GB" dirty="0"/>
           </a:p>
@@ -4029,11 +4336,149 @@
         </p:nvSpPr>
         <p:spPr/>
         <p:txBody>
-          <a:bodyPr/>
+          <a:bodyPr>
+            <a:normAutofit lnSpcReduction="10000"/>
+          </a:bodyPr>
           <a:lstStyle/>
           <a:p>
             <a:pPr marL="0" indent="0">
               <a:buNone/>
+            </a:pPr>
+            <a:r>
+              <a:rPr lang="en-US" dirty="0"/>
+              <a:t>- Data is from September 2023 to September 2024</a:t>
+            </a:r>
+          </a:p>
+          <a:p>
+            <a:pPr>
+              <a:buFontTx/>
+              <a:buChar char="-"/>
+            </a:pPr>
+            <a:r>
+              <a:rPr lang="en-US" dirty="0"/>
+              <a:t>Show json</a:t>
+            </a:r>
+          </a:p>
+          <a:p>
+            <a:pPr>
+              <a:buFontTx/>
+              <a:buChar char="-"/>
+            </a:pPr>
+            <a:endParaRPr lang="en-US" dirty="0"/>
+          </a:p>
+          <a:p>
+            <a:pPr>
+              <a:buFontTx/>
+              <a:buChar char="-"/>
+            </a:pPr>
+            <a:r>
+              <a:rPr lang="en-US" dirty="0"/>
+              <a:t>Show queries from 2_incidents.md</a:t>
+            </a:r>
+          </a:p>
+          <a:p>
+            <a:pPr>
+              <a:buFontTx/>
+              <a:buChar char="-"/>
+            </a:pPr>
+            <a:r>
+              <a:rPr lang="en-US" dirty="0"/>
+              <a:t>Service name, Team name</a:t>
+            </a:r>
+          </a:p>
+          <a:p>
+            <a:pPr>
+              <a:buFontTx/>
+              <a:buChar char="-"/>
+            </a:pPr>
+            <a:r>
+              <a:rPr lang="en-US" b="0" dirty="0">
+                <a:solidFill>
+                  <a:srgbClr val="7285B7"/>
+                </a:solidFill>
+                <a:effectLst/>
+                <a:latin typeface="Consolas" panose="020B0609020204030204" pitchFamily="49" charset="0"/>
+              </a:rPr>
+              <a:t>Find the most common top 25 words in the description field w</a:t>
+            </a:r>
+            <a:endParaRPr lang="en-US" b="0" dirty="0">
+              <a:solidFill>
+                <a:srgbClr val="FFFFFF"/>
+              </a:solidFill>
+              <a:effectLst/>
+              <a:latin typeface="Consolas" panose="020B0609020204030204" pitchFamily="49" charset="0"/>
+            </a:endParaRPr>
+          </a:p>
+          <a:p>
+            <a:pPr>
+              <a:buFontTx/>
+              <a:buChar char="-"/>
+            </a:pPr>
+            <a:r>
+              <a:rPr lang="en-US" b="0" dirty="0">
+                <a:solidFill>
+                  <a:srgbClr val="7285B7"/>
+                </a:solidFill>
+                <a:effectLst/>
+                <a:latin typeface="Consolas" panose="020B0609020204030204" pitchFamily="49" charset="0"/>
+              </a:rPr>
+              <a:t>Find total count of P1</a:t>
+            </a:r>
+          </a:p>
+          <a:p>
+            <a:pPr>
+              <a:buFontTx/>
+              <a:buChar char="-"/>
+            </a:pPr>
+            <a:r>
+              <a:rPr lang="en-US" b="0" dirty="0">
+                <a:solidFill>
+                  <a:srgbClr val="7285B7"/>
+                </a:solidFill>
+                <a:effectLst/>
+                <a:latin typeface="Consolas" panose="020B0609020204030204" pitchFamily="49" charset="0"/>
+              </a:rPr>
+              <a:t> Find the percentage of each status </a:t>
+            </a:r>
+            <a:endParaRPr lang="en-US" b="0" dirty="0">
+              <a:solidFill>
+                <a:srgbClr val="FFFFFF"/>
+              </a:solidFill>
+              <a:effectLst/>
+              <a:latin typeface="Consolas" panose="020B0609020204030204" pitchFamily="49" charset="0"/>
+            </a:endParaRPr>
+          </a:p>
+          <a:p>
+            <a:pPr>
+              <a:buFontTx/>
+              <a:buChar char="-"/>
+            </a:pPr>
+            <a:endParaRPr lang="en-US" b="0" dirty="0">
+              <a:solidFill>
+                <a:srgbClr val="FFFFFF"/>
+              </a:solidFill>
+              <a:effectLst/>
+              <a:latin typeface="Consolas" panose="020B0609020204030204" pitchFamily="49" charset="0"/>
+            </a:endParaRPr>
+          </a:p>
+          <a:p>
+            <a:pPr>
+              <a:buFontTx/>
+              <a:buChar char="-"/>
+            </a:pPr>
+            <a:endParaRPr lang="en-US" dirty="0"/>
+          </a:p>
+          <a:p>
+            <a:pPr>
+              <a:buFontTx/>
+              <a:buChar char="-"/>
+            </a:pPr>
+            <a:endParaRPr lang="en-US" dirty="0"/>
+          </a:p>
+          <a:p>
+            <a:pPr>
+              <a:buFontTx/>
+              <a:buChar char="-"/>
             </a:pPr>
             <a:endParaRPr lang="en-US" dirty="0"/>
           </a:p>
@@ -4043,6 +4488,336 @@
     <p:extLst>
       <p:ext uri="{BB962C8B-B14F-4D97-AF65-F5344CB8AC3E}">
         <p14:creationId xmlns:p14="http://schemas.microsoft.com/office/powerpoint/2010/main" val="1705842612"/>
+      </p:ext>
+    </p:extLst>
+  </p:cSld>
+  <p:clrMapOvr>
+    <a:masterClrMapping/>
+  </p:clrMapOvr>
+</p:sld>
+</file>
+
+<file path=ppt/slides/slide6.xml><?xml version="1.0" encoding="utf-8"?>
+<p:sld xmlns:a="http://schemas.openxmlformats.org/drawingml/2006/main" xmlns:r="http://schemas.openxmlformats.org/officeDocument/2006/relationships" xmlns:p="http://schemas.openxmlformats.org/presentationml/2006/main">
+  <p:cSld>
+    <p:spTree>
+      <p:nvGrpSpPr>
+        <p:cNvPr id="1" name=""/>
+        <p:cNvGrpSpPr/>
+        <p:nvPr/>
+      </p:nvGrpSpPr>
+      <p:grpSpPr>
+        <a:xfrm>
+          <a:off x="0" y="0"/>
+          <a:ext cx="0" cy="0"/>
+          <a:chOff x="0" y="0"/>
+          <a:chExt cx="0" cy="0"/>
+        </a:xfrm>
+      </p:grpSpPr>
+      <p:sp>
+        <p:nvSpPr>
+          <p:cNvPr id="2" name="Title 1">
+            <a:extLst>
+              <a:ext uri="{FF2B5EF4-FFF2-40B4-BE49-F238E27FC236}">
+                <a16:creationId xmlns:a16="http://schemas.microsoft.com/office/drawing/2014/main" id="{AD5FC565-2B58-023E-4689-39DCB4FE3517}"/>
+              </a:ext>
+            </a:extLst>
+          </p:cNvPr>
+          <p:cNvSpPr>
+            <a:spLocks noGrp="1"/>
+          </p:cNvSpPr>
+          <p:nvPr>
+            <p:ph type="title"/>
+          </p:nvPr>
+        </p:nvSpPr>
+        <p:spPr/>
+        <p:txBody>
+          <a:bodyPr/>
+          <a:lstStyle/>
+          <a:p>
+            <a:r>
+              <a:rPr lang="en-US" dirty="0"/>
+              <a:t>Alerts</a:t>
+            </a:r>
+            <a:endParaRPr lang="en-GB" dirty="0"/>
+          </a:p>
+        </p:txBody>
+      </p:sp>
+      <p:sp>
+        <p:nvSpPr>
+          <p:cNvPr id="3" name="Content Placeholder 2">
+            <a:extLst>
+              <a:ext uri="{FF2B5EF4-FFF2-40B4-BE49-F238E27FC236}">
+                <a16:creationId xmlns:a16="http://schemas.microsoft.com/office/drawing/2014/main" id="{2F90CC5E-2A3C-D8F5-2C04-230BCDFBC553}"/>
+              </a:ext>
+            </a:extLst>
+          </p:cNvPr>
+          <p:cNvSpPr>
+            <a:spLocks noGrp="1"/>
+          </p:cNvSpPr>
+          <p:nvPr>
+            <p:ph idx="1"/>
+          </p:nvPr>
+        </p:nvSpPr>
+        <p:spPr/>
+        <p:txBody>
+          <a:bodyPr>
+            <a:normAutofit/>
+          </a:bodyPr>
+          <a:lstStyle/>
+          <a:p>
+            <a:pPr marL="0" indent="0">
+              <a:buNone/>
+            </a:pPr>
+            <a:r>
+              <a:rPr lang="en-US" dirty="0"/>
+              <a:t>- Extracted IDs from incidents data</a:t>
+            </a:r>
+          </a:p>
+          <a:p>
+            <a:pPr>
+              <a:buFontTx/>
+              <a:buChar char="-"/>
+            </a:pPr>
+            <a:r>
+              <a:rPr lang="en-US" dirty="0"/>
+              <a:t>Downloaded alerts only for 9-21 to 9-30</a:t>
+            </a:r>
+          </a:p>
+          <a:p>
+            <a:pPr>
+              <a:buFontTx/>
+              <a:buChar char="-"/>
+            </a:pPr>
+            <a:endParaRPr lang="en-US" dirty="0"/>
+          </a:p>
+          <a:p>
+            <a:pPr>
+              <a:buFontTx/>
+              <a:buChar char="-"/>
+            </a:pPr>
+            <a:r>
+              <a:rPr lang="en-US" dirty="0"/>
+              <a:t>Show JSON file</a:t>
+            </a:r>
+          </a:p>
+          <a:p>
+            <a:pPr>
+              <a:buFontTx/>
+              <a:buChar char="-"/>
+            </a:pPr>
+            <a:endParaRPr lang="en-US" dirty="0"/>
+          </a:p>
+          <a:p>
+            <a:pPr>
+              <a:buFontTx/>
+              <a:buChar char="-"/>
+            </a:pPr>
+            <a:r>
+              <a:rPr lang="en-US" dirty="0"/>
+              <a:t>describe alerts_0921_0930;</a:t>
+            </a:r>
+          </a:p>
+          <a:p>
+            <a:pPr>
+              <a:buFontTx/>
+              <a:buChar char="-"/>
+            </a:pPr>
+            <a:endParaRPr lang="en-US" dirty="0"/>
+          </a:p>
+          <a:p>
+            <a:pPr>
+              <a:buFontTx/>
+              <a:buChar char="-"/>
+            </a:pPr>
+            <a:endParaRPr lang="en-US" dirty="0"/>
+          </a:p>
+          <a:p>
+            <a:pPr>
+              <a:buFontTx/>
+              <a:buChar char="-"/>
+            </a:pPr>
+            <a:endParaRPr lang="en-US" dirty="0"/>
+          </a:p>
+          <a:p>
+            <a:pPr>
+              <a:buFontTx/>
+              <a:buChar char="-"/>
+            </a:pPr>
+            <a:endParaRPr lang="en-US" dirty="0"/>
+          </a:p>
+        </p:txBody>
+      </p:sp>
+    </p:spTree>
+    <p:extLst>
+      <p:ext uri="{BB962C8B-B14F-4D97-AF65-F5344CB8AC3E}">
+        <p14:creationId xmlns:p14="http://schemas.microsoft.com/office/powerpoint/2010/main" val="1233243297"/>
+      </p:ext>
+    </p:extLst>
+  </p:cSld>
+  <p:clrMapOvr>
+    <a:masterClrMapping/>
+  </p:clrMapOvr>
+</p:sld>
+</file>
+
+<file path=ppt/slides/slide7.xml><?xml version="1.0" encoding="utf-8"?>
+<p:sld xmlns:a="http://schemas.openxmlformats.org/drawingml/2006/main" xmlns:r="http://schemas.openxmlformats.org/officeDocument/2006/relationships" xmlns:p="http://schemas.openxmlformats.org/presentationml/2006/main">
+  <p:cSld>
+    <p:spTree>
+      <p:nvGrpSpPr>
+        <p:cNvPr id="1" name=""/>
+        <p:cNvGrpSpPr/>
+        <p:nvPr/>
+      </p:nvGrpSpPr>
+      <p:grpSpPr>
+        <a:xfrm>
+          <a:off x="0" y="0"/>
+          <a:ext cx="0" cy="0"/>
+          <a:chOff x="0" y="0"/>
+          <a:chExt cx="0" cy="0"/>
+        </a:xfrm>
+      </p:grpSpPr>
+      <p:sp>
+        <p:nvSpPr>
+          <p:cNvPr id="2" name="Title 1">
+            <a:extLst>
+              <a:ext uri="{FF2B5EF4-FFF2-40B4-BE49-F238E27FC236}">
+                <a16:creationId xmlns:a16="http://schemas.microsoft.com/office/drawing/2014/main" id="{AD5FC565-2B58-023E-4689-39DCB4FE3517}"/>
+              </a:ext>
+            </a:extLst>
+          </p:cNvPr>
+          <p:cNvSpPr>
+            <a:spLocks noGrp="1"/>
+          </p:cNvSpPr>
+          <p:nvPr>
+            <p:ph type="title"/>
+          </p:nvPr>
+        </p:nvSpPr>
+        <p:spPr/>
+        <p:txBody>
+          <a:bodyPr/>
+          <a:lstStyle/>
+          <a:p>
+            <a:r>
+              <a:rPr lang="en-US" dirty="0"/>
+              <a:t>Alerts</a:t>
+            </a:r>
+            <a:endParaRPr lang="en-GB" dirty="0"/>
+          </a:p>
+        </p:txBody>
+      </p:sp>
+      <p:sp>
+        <p:nvSpPr>
+          <p:cNvPr id="3" name="Content Placeholder 2">
+            <a:extLst>
+              <a:ext uri="{FF2B5EF4-FFF2-40B4-BE49-F238E27FC236}">
+                <a16:creationId xmlns:a16="http://schemas.microsoft.com/office/drawing/2014/main" id="{2F90CC5E-2A3C-D8F5-2C04-230BCDFBC553}"/>
+              </a:ext>
+            </a:extLst>
+          </p:cNvPr>
+          <p:cNvSpPr>
+            <a:spLocks noGrp="1"/>
+          </p:cNvSpPr>
+          <p:nvPr>
+            <p:ph idx="1"/>
+          </p:nvPr>
+        </p:nvSpPr>
+        <p:spPr/>
+        <p:txBody>
+          <a:bodyPr>
+            <a:normAutofit/>
+          </a:bodyPr>
+          <a:lstStyle/>
+          <a:p>
+            <a:pPr>
+              <a:buFontTx/>
+              <a:buChar char="-"/>
+            </a:pPr>
+            <a:r>
+              <a:rPr lang="en-US" dirty="0"/>
+              <a:t>View description field from details</a:t>
+            </a:r>
+          </a:p>
+          <a:p>
+            <a:pPr>
+              <a:buFontTx/>
+              <a:buChar char="-"/>
+            </a:pPr>
+            <a:r>
+              <a:rPr lang="en-US" dirty="0"/>
+              <a:t>select </a:t>
+            </a:r>
+            <a:r>
+              <a:rPr lang="en-US" dirty="0" err="1"/>
+              <a:t>body.details.Description</a:t>
+            </a:r>
+            <a:r>
+              <a:rPr lang="en-US" dirty="0"/>
+              <a:t> from alerts_0921_0930;</a:t>
+            </a:r>
+          </a:p>
+          <a:p>
+            <a:pPr>
+              <a:buFontTx/>
+              <a:buChar char="-"/>
+            </a:pPr>
+            <a:endParaRPr lang="en-US" dirty="0"/>
+          </a:p>
+          <a:p>
+            <a:pPr>
+              <a:buFontTx/>
+              <a:buChar char="-"/>
+            </a:pPr>
+            <a:r>
+              <a:rPr lang="en-US" dirty="0"/>
+              <a:t>View some data from nested Json object</a:t>
+            </a:r>
+          </a:p>
+          <a:p>
+            <a:pPr marL="0" indent="0">
+              <a:buNone/>
+            </a:pPr>
+            <a:r>
+              <a:rPr lang="en-US" dirty="0"/>
+              <a:t>select </a:t>
+            </a:r>
+            <a:r>
+              <a:rPr lang="en-US" dirty="0" err="1"/>
+              <a:t>incident.id,body.details.firing,body.details.Description</a:t>
+            </a:r>
+            <a:r>
+              <a:rPr lang="en-US" dirty="0"/>
+              <a:t> from alerts_0921_0930;</a:t>
+            </a:r>
+          </a:p>
+          <a:p>
+            <a:pPr>
+              <a:buFontTx/>
+              <a:buChar char="-"/>
+            </a:pPr>
+            <a:endParaRPr lang="en-US" dirty="0"/>
+          </a:p>
+          <a:p>
+            <a:pPr>
+              <a:buFontTx/>
+              <a:buChar char="-"/>
+            </a:pPr>
+            <a:endParaRPr lang="en-US" dirty="0"/>
+          </a:p>
+          <a:p>
+            <a:pPr>
+              <a:buFontTx/>
+              <a:buChar char="-"/>
+            </a:pPr>
+            <a:endParaRPr lang="en-US" dirty="0"/>
+          </a:p>
+        </p:txBody>
+      </p:sp>
+    </p:spTree>
+    <p:extLst>
+      <p:ext uri="{BB962C8B-B14F-4D97-AF65-F5344CB8AC3E}">
+        <p14:creationId xmlns:p14="http://schemas.microsoft.com/office/powerpoint/2010/main" val="3947398884"/>
       </p:ext>
     </p:extLst>
   </p:cSld>
